--- a/Presentazione/Presentazione_ICon.pptx
+++ b/Presentazione/Presentazione_ICon.pptx
@@ -137,6 +137,7 @@
 <file path=ppt/revisionInfo.xml><?xml version="1.0" encoding="utf-8"?>
 <p1510:revInfo xmlns:a="http://schemas.openxmlformats.org/drawingml/2006/main" xmlns:r="http://schemas.openxmlformats.org/officeDocument/2006/relationships" xmlns:p1510="http://schemas.microsoft.com/office/powerpoint/2015/10/main">
   <p1510:revLst>
+    <p1510:client id="{7D665179-EC0D-4A6C-9F80-4F647E64A655}" v="6" dt="2020-11-03T16:43:05.168"/>
     <p1510:client id="{B418A5D0-49B7-42BB-A00F-503108D452F1}" v="227" dt="2020-10-28T11:40:43.482"/>
     <p1510:client id="{FB6FEE75-4C7C-4848-9A2C-DE995560D799}" v="1" dt="2020-10-28T13:31:34.713"/>
   </p1510:revLst>
@@ -404,6 +405,30 @@
     </pc:docChg>
   </pc:docChgLst>
   <pc:docChgLst>
+    <pc:chgData name="Francesco Barile" userId="ce8577dba41c4bfd" providerId="Windows Live" clId="Web-{7D665179-EC0D-4A6C-9F80-4F647E64A655}"/>
+    <pc:docChg chg="modSld">
+      <pc:chgData name="Francesco Barile" userId="ce8577dba41c4bfd" providerId="Windows Live" clId="Web-{7D665179-EC0D-4A6C-9F80-4F647E64A655}" dt="2020-11-03T16:43:05.168" v="5" actId="20577"/>
+      <pc:docMkLst>
+        <pc:docMk/>
+      </pc:docMkLst>
+      <pc:sldChg chg="modSp">
+        <pc:chgData name="Francesco Barile" userId="ce8577dba41c4bfd" providerId="Windows Live" clId="Web-{7D665179-EC0D-4A6C-9F80-4F647E64A655}" dt="2020-11-03T16:43:05.168" v="4" actId="20577"/>
+        <pc:sldMkLst>
+          <pc:docMk/>
+          <pc:sldMk cId="263784652" sldId="258"/>
+        </pc:sldMkLst>
+        <pc:spChg chg="mod">
+          <ac:chgData name="Francesco Barile" userId="ce8577dba41c4bfd" providerId="Windows Live" clId="Web-{7D665179-EC0D-4A6C-9F80-4F647E64A655}" dt="2020-11-03T16:43:05.168" v="4" actId="20577"/>
+          <ac:spMkLst>
+            <pc:docMk/>
+            <pc:sldMk cId="263784652" sldId="258"/>
+            <ac:spMk id="7" creationId="{4BF1D04B-4972-4EB3-B936-9C0C93837CF8}"/>
+          </ac:spMkLst>
+        </pc:spChg>
+      </pc:sldChg>
+    </pc:docChg>
+  </pc:docChgLst>
+  <pc:docChgLst>
     <pc:chgData name="Francesco Barile" userId="ce8577dba41c4bfd" providerId="Windows Live" clId="Web-{FB6FEE75-4C7C-4848-9A2C-DE995560D799}"/>
     <pc:docChg chg="delSld">
       <pc:chgData name="Francesco Barile" userId="ce8577dba41c4bfd" providerId="Windows Live" clId="Web-{FB6FEE75-4C7C-4848-9A2C-DE995560D799}" dt="2020-10-28T13:31:34.713" v="0"/>
@@ -506,7 +531,7 @@
             <a:pPr rtl="0"/>
             <a:fld id="{2AA9324D-736C-4521-902C-E171322BDD32}" type="datetime1">
               <a:rPr lang="it-IT" smtClean="0"/>
-              <a:t>28/10/2020</a:t>
+              <a:t>03/11/2020</a:t>
             </a:fld>
             <a:endParaRPr lang="en-US" dirty="0"/>
           </a:p>
@@ -676,7 +701,7 @@
             <a:pPr rtl="0"/>
             <a:fld id="{C9CDE5A0-E0EA-4E79-8A9D-490C77C3E1D1}" type="datetime1">
               <a:rPr lang="it-IT" smtClean="0"/>
-              <a:t>28/10/2020</a:t>
+              <a:t>03/11/2020</a:t>
             </a:fld>
             <a:endParaRPr lang="en-US"/>
           </a:p>
@@ -1190,7 +1215,7 @@
             <a:pPr rtl="0"/>
             <a:fld id="{BE6A9DFD-D01D-46F2-9F5D-64CD124556CA}" type="datetime1">
               <a:rPr lang="it-IT" smtClean="0"/>
-              <a:t>28/10/2020</a:t>
+              <a:t>03/11/2020</a:t>
             </a:fld>
             <a:endParaRPr lang="en-US" dirty="0"/>
           </a:p>
@@ -1397,7 +1422,7 @@
             <a:pPr rtl="0"/>
             <a:fld id="{D6985F1D-99DE-4FE8-9093-377AC3915E25}" type="datetime1">
               <a:rPr lang="it-IT" smtClean="0"/>
-              <a:t>28/10/2020</a:t>
+              <a:t>03/11/2020</a:t>
             </a:fld>
             <a:endParaRPr lang="en-US" dirty="0"/>
           </a:p>
@@ -1763,7 +1788,7 @@
             <a:pPr rtl="0"/>
             <a:fld id="{2E24D16E-427E-461B-B316-99E3B1E340F1}" type="datetime1">
               <a:rPr lang="it-IT" smtClean="0"/>
-              <a:t>28/10/2020</a:t>
+              <a:t>03/11/2020</a:t>
             </a:fld>
             <a:endParaRPr lang="en-US" dirty="0"/>
           </a:p>
@@ -1965,7 +1990,7 @@
             <a:pPr rtl="0"/>
             <a:fld id="{FC16C3F1-EAB4-40C7-A804-E4164A432ACC}" type="datetime1">
               <a:rPr lang="it-IT" smtClean="0"/>
-              <a:t>28/10/2020</a:t>
+              <a:t>03/11/2020</a:t>
             </a:fld>
             <a:endParaRPr lang="en-US" dirty="0"/>
           </a:p>
@@ -2281,7 +2306,7 @@
             <a:pPr rtl="0"/>
             <a:fld id="{593AB179-A7B4-4F53-8FBC-DA521D7752CD}" type="datetime1">
               <a:rPr lang="it-IT" smtClean="0"/>
-              <a:t>28/10/2020</a:t>
+              <a:t>03/11/2020</a:t>
             </a:fld>
             <a:endParaRPr lang="en-US" dirty="0"/>
           </a:p>
@@ -2538,7 +2563,7 @@
             <a:pPr rtl="0"/>
             <a:fld id="{2BC475E4-8A13-4296-8284-4EFC212D9D0C}" type="datetime1">
               <a:rPr lang="it-IT" smtClean="0"/>
-              <a:t>28/10/2020</a:t>
+              <a:t>03/11/2020</a:t>
             </a:fld>
             <a:endParaRPr lang="en-US" dirty="0"/>
           </a:p>
@@ -2964,7 +2989,7 @@
             <a:pPr rtl="0"/>
             <a:fld id="{2EDAC308-8BE6-45DD-8B68-B04D02410B09}" type="datetime1">
               <a:rPr lang="it-IT" smtClean="0"/>
-              <a:t>28/10/2020</a:t>
+              <a:t>03/11/2020</a:t>
             </a:fld>
             <a:endParaRPr lang="en-US" dirty="0"/>
           </a:p>
@@ -3091,7 +3116,7 @@
             <a:pPr rtl="0"/>
             <a:fld id="{85254269-30BB-4415-A3F6-02D389D24D09}" type="datetime1">
               <a:rPr lang="it-IT" smtClean="0"/>
-              <a:t>28/10/2020</a:t>
+              <a:t>03/11/2020</a:t>
             </a:fld>
             <a:endParaRPr lang="en-US" dirty="0"/>
           </a:p>
@@ -3189,7 +3214,7 @@
             <a:pPr rtl="0"/>
             <a:fld id="{60ACBBB0-50A8-412C-AC83-6C1A96035CC9}" type="datetime1">
               <a:rPr lang="it-IT" smtClean="0"/>
-              <a:t>28/10/2020</a:t>
+              <a:t>03/11/2020</a:t>
             </a:fld>
             <a:endParaRPr lang="en-US" dirty="0"/>
           </a:p>
@@ -3570,7 +3595,7 @@
             <a:pPr rtl="0"/>
             <a:fld id="{44D8AF99-1FFE-484F-999D-5C9E0DFBE297}" type="datetime1">
               <a:rPr lang="it-IT" smtClean="0"/>
-              <a:t>28/10/2020</a:t>
+              <a:t>03/11/2020</a:t>
             </a:fld>
             <a:endParaRPr lang="en-US" dirty="0"/>
           </a:p>
@@ -3868,7 +3893,7 @@
             <a:pPr rtl="0"/>
             <a:fld id="{8DCB91F3-7F1A-4CB0-9F29-9C199284DBA2}" type="datetime1">
               <a:rPr lang="it-IT" smtClean="0"/>
-              <a:t>28/10/2020</a:t>
+              <a:t>03/11/2020</a:t>
             </a:fld>
             <a:endParaRPr lang="en-US" dirty="0"/>
           </a:p>
@@ -4086,7 +4111,7 @@
             <a:pPr rtl="0"/>
             <a:fld id="{BAA6CE81-F21E-4C48-B40D-AB03A3BE863B}" type="datetime1">
               <a:rPr lang="it-IT" smtClean="0"/>
-              <a:t>28/10/2020</a:t>
+              <a:t>03/11/2020</a:t>
             </a:fld>
             <a:endParaRPr lang="en-US" dirty="0"/>
           </a:p>
@@ -6336,7 +6361,7 @@
             </a:pPr>
             <a:r>
               <a:rPr lang="it-IT" sz="2400" dirty="0"/>
-              <a:t>Il sistema esperto, partendo dalle preferenze musicali dell’utente, definite attraverso artisti e album ascoltati, consente di generare, studiando i generi di questi ultimi, classifiche di artisti simili a quelli inseriti dall’utente e playlists di canzoni, collegando l’account di Spotify.</a:t>
+              <a:t>Il sistema, partendo dalle preferenze musicali dell’utente, definite attraverso artisti e album ascoltati, consente di generare, studiando i generi di questi ultimi, classifiche di artisti simili a quelli inseriti dall’utente e playlists di canzoni, collegando l’account di Spotify.</a:t>
             </a:r>
           </a:p>
         </p:txBody>
